--- a/documents/presentations/SA_Meeting_1125.pptx
+++ b/documents/presentations/SA_Meeting_1125.pptx
@@ -12,9 +12,9 @@
     <p:sldId id="260" r:id="rId6"/>
     <p:sldId id="264" r:id="rId7"/>
     <p:sldId id="267" r:id="rId8"/>
-    <p:sldId id="263" r:id="rId9"/>
-    <p:sldId id="269" r:id="rId10"/>
-    <p:sldId id="268" r:id="rId11"/>
+    <p:sldId id="269" r:id="rId9"/>
+    <p:sldId id="268" r:id="rId10"/>
+    <p:sldId id="263" r:id="rId11"/>
     <p:sldId id="261" r:id="rId12"/>
   </p:sldIdLst>
   <p:sldSz cx="12192000" cy="6858000"/>
@@ -305,7 +305,7 @@
           <a:p>
             <a:fld id="{5E7AA473-D82F-4EFF-9DF7-AE6D83C51288}" type="datetime1">
               <a:rPr lang="en-US" smtClean="0"/>
-              <a:t>11/23/2022</a:t>
+              <a:t>11/25/2022</a:t>
             </a:fld>
             <a:endParaRPr lang="en-US"/>
           </a:p>
@@ -559,7 +559,7 @@
           <a:p>
             <a:fld id="{1E12F1F0-FE2D-4C1C-B320-8CB9BE735F0F}" type="datetime1">
               <a:rPr lang="en-US" smtClean="0"/>
-              <a:t>11/23/2022</a:t>
+              <a:t>11/25/2022</a:t>
             </a:fld>
             <a:endParaRPr lang="en-US"/>
           </a:p>
@@ -827,7 +827,7 @@
           <a:p>
             <a:fld id="{2CF1B96C-10FD-4EBC-9029-9652B7535D02}" type="datetime1">
               <a:rPr lang="en-US" smtClean="0"/>
-              <a:t>11/23/2022</a:t>
+              <a:t>11/25/2022</a:t>
             </a:fld>
             <a:endParaRPr lang="en-US"/>
           </a:p>
@@ -1081,7 +1081,7 @@
           <a:p>
             <a:fld id="{14878474-CC00-4A95-9D50-A41C12D1EEC4}" type="datetime1">
               <a:rPr lang="en-US" smtClean="0"/>
-              <a:t>11/23/2022</a:t>
+              <a:t>11/25/2022</a:t>
             </a:fld>
             <a:endParaRPr lang="en-US"/>
           </a:p>
@@ -1359,7 +1359,7 @@
           <a:p>
             <a:fld id="{7F38C8B4-7FBB-408F-BDB9-F0496874AFB2}" type="datetime1">
               <a:rPr lang="en-US" smtClean="0"/>
-              <a:t>11/23/2022</a:t>
+              <a:t>11/25/2022</a:t>
             </a:fld>
             <a:endParaRPr lang="en-US"/>
           </a:p>
@@ -1631,7 +1631,7 @@
           <a:p>
             <a:fld id="{2BB8EE20-A5E2-47D3-8F6D-A2BA7AB2E093}" type="datetime1">
               <a:rPr lang="en-US" smtClean="0"/>
-              <a:t>11/23/2022</a:t>
+              <a:t>11/25/2022</a:t>
             </a:fld>
             <a:endParaRPr lang="en-US"/>
           </a:p>
@@ -2189,7 +2189,7 @@
           <a:p>
             <a:fld id="{3382CF99-132F-413F-B7EF-71A5C33F2ED6}" type="datetime1">
               <a:rPr lang="en-US" smtClean="0"/>
-              <a:t>11/23/2022</a:t>
+              <a:t>11/25/2022</a:t>
             </a:fld>
             <a:endParaRPr lang="en-US"/>
           </a:p>
@@ -2331,7 +2331,7 @@
           <a:p>
             <a:fld id="{1F17AE06-98E0-4D9F-A059-92C3548821BB}" type="datetime1">
               <a:rPr lang="en-US" smtClean="0"/>
-              <a:t>11/23/2022</a:t>
+              <a:t>11/25/2022</a:t>
             </a:fld>
             <a:endParaRPr lang="en-US"/>
           </a:p>
@@ -2444,7 +2444,7 @@
           <a:p>
             <a:fld id="{FFBA00CA-3DDC-4705-B840-978EF5EA0707}" type="datetime1">
               <a:rPr lang="en-US" smtClean="0"/>
-              <a:t>11/23/2022</a:t>
+              <a:t>11/25/2022</a:t>
             </a:fld>
             <a:endParaRPr lang="en-US"/>
           </a:p>
@@ -2763,7 +2763,7 @@
           <a:p>
             <a:fld id="{FC366D49-0BBA-4C5A-AD96-6448CA63451A}" type="datetime1">
               <a:rPr lang="en-US" smtClean="0"/>
-              <a:t>11/23/2022</a:t>
+              <a:t>11/25/2022</a:t>
             </a:fld>
             <a:endParaRPr lang="en-US"/>
           </a:p>
@@ -3060,7 +3060,7 @@
           <a:p>
             <a:fld id="{4F4EB293-A316-472D-A8B4-6947CF1A12B7}" type="datetime1">
               <a:rPr lang="en-US" smtClean="0"/>
-              <a:t>11/23/2022</a:t>
+              <a:t>11/25/2022</a:t>
             </a:fld>
             <a:endParaRPr lang="en-US"/>
           </a:p>
@@ -3339,7 +3339,7 @@
           <a:p>
             <a:fld id="{734BCCD4-CEB1-405B-A443-DD9CBCBEA552}" type="datetime1">
               <a:rPr lang="en-US" smtClean="0"/>
-              <a:t>11/23/2022</a:t>
+              <a:t>11/25/2022</a:t>
             </a:fld>
             <a:endParaRPr lang="en-US"/>
           </a:p>
@@ -4196,20 +4196,8 @@
           <a:lstStyle/>
           <a:p>
             <a:r>
-              <a:rPr lang="en-US" dirty="0" err="1"/>
-              <a:t>Pwntools</a:t>
-            </a:r>
-            <a:r>
               <a:rPr lang="en-US" dirty="0"/>
-              <a:t> </a:t>
-            </a:r>
-            <a:r>
-              <a:rPr lang="en-US" dirty="0" err="1"/>
-              <a:t>Iter</a:t>
-            </a:r>
-            <a:r>
-              <a:rPr lang="en-US" dirty="0"/>
-              <a:t> Concepts</a:t>
+              <a:t>Testing</a:t>
             </a:r>
             <a:endParaRPr lang="de-DE" dirty="0"/>
           </a:p>
@@ -4233,7 +4221,7 @@
         </p:nvSpPr>
         <p:spPr>
           <a:xfrm>
-            <a:off x="517870" y="2105891"/>
+            <a:off x="508651" y="1995055"/>
             <a:ext cx="11165480" cy="3733830"/>
           </a:xfrm>
         </p:spPr>
@@ -4245,14 +4233,34 @@
               <a:buFont typeface="Arial" panose="020B0604020202020204" pitchFamily="34" charset="0"/>
               <a:buChar char="•"/>
             </a:pPr>
-            <a:endParaRPr lang="de-DE" dirty="0"/>
+            <a:r>
+              <a:rPr lang="en-US" dirty="0"/>
+              <a:t>Multiple participants</a:t>
+            </a:r>
+          </a:p>
+          <a:p>
+            <a:pPr marL="342900" indent="-342900">
+              <a:buFont typeface="Arial" panose="020B0604020202020204" pitchFamily="34" charset="0"/>
+              <a:buChar char="•"/>
+            </a:pPr>
+            <a:r>
+              <a:rPr lang="en-US" dirty="0"/>
+              <a:t>Internal Testing of each Lab</a:t>
+            </a:r>
+          </a:p>
+          <a:p>
+            <a:pPr marL="342900" indent="-342900">
+              <a:buFont typeface="Arial" panose="020B0604020202020204" pitchFamily="34" charset="0"/>
+              <a:buChar char="•"/>
+            </a:pPr>
+            <a:endParaRPr lang="en-US" dirty="0"/>
           </a:p>
         </p:txBody>
       </p:sp>
     </p:spTree>
     <p:extLst>
       <p:ext uri="{BB962C8B-B14F-4D97-AF65-F5344CB8AC3E}">
-        <p14:creationId xmlns:p14="http://schemas.microsoft.com/office/powerpoint/2010/main" val="2193519292"/>
+        <p14:creationId xmlns:p14="http://schemas.microsoft.com/office/powerpoint/2010/main" val="2829212852"/>
       </p:ext>
     </p:extLst>
   </p:cSld>
@@ -4509,13 +4517,6 @@
             </a:r>
           </a:p>
           <a:p>
-            <a:pPr marL="617220" lvl="1" indent="-342900"/>
-            <a:r>
-              <a:rPr lang="en-US" dirty="0"/>
-              <a:t>Testing</a:t>
-            </a:r>
-          </a:p>
-          <a:p>
             <a:pPr marL="342900" indent="-342900">
               <a:buFont typeface="Arial" panose="020B0604020202020204" pitchFamily="34" charset="0"/>
               <a:buChar char="•"/>
@@ -4546,6 +4547,20 @@
               <a:rPr lang="en-US" dirty="0" err="1"/>
               <a:t>Iter</a:t>
             </a:r>
+            <a:endParaRPr lang="en-US" dirty="0"/>
+          </a:p>
+          <a:p>
+            <a:pPr marL="342900" indent="-342900">
+              <a:buFont typeface="Arial" panose="020B0604020202020204" pitchFamily="34" charset="0"/>
+              <a:buChar char="•"/>
+            </a:pPr>
+            <a:r>
+              <a:rPr lang="en-US" dirty="0"/>
+              <a:t>Testing</a:t>
+            </a:r>
+          </a:p>
+          <a:p>
+            <a:pPr marL="617220" lvl="1" indent="-342900"/>
             <a:endParaRPr lang="en-US" dirty="0"/>
           </a:p>
           <a:p>
@@ -4708,7 +4723,7 @@
             <a:pPr marL="617220" lvl="1" indent="-342900"/>
             <a:r>
               <a:rPr lang="de-DE" sz="2200" b="1" dirty="0"/>
-              <a:t>Change Challenge Modes</a:t>
+              <a:t>-</a:t>
             </a:r>
           </a:p>
         </p:txBody>
@@ -4816,8 +4831,8 @@
           </a:xfrm>
         </p:spPr>
       </p:pic>
-      <mc:AlternateContent xmlns:mc="http://schemas.openxmlformats.org/markup-compatibility/2006">
-        <mc:Choice xmlns:p14="http://schemas.microsoft.com/office/powerpoint/2010/main" Requires="p14">
+      <mc:AlternateContent xmlns:mc="http://schemas.openxmlformats.org/markup-compatibility/2006" xmlns:p14="http://schemas.microsoft.com/office/powerpoint/2010/main">
+        <mc:Choice Requires="p14">
           <p:contentPart p14:bwMode="auto" r:id="rId3">
             <p14:nvContentPartPr>
               <p14:cNvPr id="8" name="Freihand 7">
@@ -4836,7 +4851,7 @@
             </p14:xfrm>
           </p:contentPart>
         </mc:Choice>
-        <mc:Fallback>
+        <mc:Fallback xmlns="">
           <p:pic>
             <p:nvPicPr>
               <p:cNvPr id="8" name="Freihand 7">
@@ -5282,31 +5297,7 @@
             </a:pPr>
             <a:r>
               <a:rPr lang="de-DE" dirty="0"/>
-              <a:t>Create „Hello World“ </a:t>
-            </a:r>
-            <a:r>
-              <a:rPr lang="de-DE" dirty="0" err="1"/>
-              <a:t>with</a:t>
-            </a:r>
-            <a:r>
-              <a:rPr lang="de-DE" dirty="0"/>
-              <a:t> </a:t>
-            </a:r>
-            <a:r>
-              <a:rPr lang="de-DE" dirty="0" err="1"/>
-              <a:t>the</a:t>
-            </a:r>
-            <a:r>
-              <a:rPr lang="de-DE" dirty="0"/>
-              <a:t> Help </a:t>
-            </a:r>
-            <a:r>
-              <a:rPr lang="de-DE" dirty="0" err="1"/>
-              <a:t>of</a:t>
-            </a:r>
-            <a:r>
-              <a:rPr lang="de-DE" dirty="0"/>
-              <a:t> John Hammond</a:t>
+              <a:t>Create „Hello World“</a:t>
             </a:r>
           </a:p>
           <a:p>
@@ -5316,42 +5307,92 @@
             </a:pPr>
             <a:r>
               <a:rPr lang="de-DE" dirty="0"/>
-              <a:t>Write Follow-Up </a:t>
+              <a:t>Help </a:t>
             </a:r>
             <a:r>
               <a:rPr lang="de-DE" dirty="0" err="1"/>
-              <a:t>Program</a:t>
+              <a:t>with</a:t>
+            </a:r>
+            <a:r>
+              <a:rPr lang="de-DE" dirty="0"/>
+              <a:t> </a:t>
+            </a:r>
+            <a:r>
+              <a:rPr lang="de-DE" dirty="0" err="1"/>
+              <a:t>Step</a:t>
+            </a:r>
+            <a:r>
+              <a:rPr lang="de-DE" dirty="0"/>
+              <a:t> By </a:t>
+            </a:r>
+            <a:r>
+              <a:rPr lang="de-DE" dirty="0" err="1"/>
+              <a:t>Step</a:t>
+            </a:r>
+            <a:r>
+              <a:rPr lang="de-DE" dirty="0"/>
+              <a:t> </a:t>
+            </a:r>
+            <a:r>
+              <a:rPr lang="de-DE" dirty="0" err="1"/>
+              <a:t>Instructions</a:t>
             </a:r>
             <a:endParaRPr lang="de-DE" dirty="0"/>
-          </a:p>
-          <a:p>
-            <a:pPr marL="617220" lvl="1" indent="-342900"/>
-            <a:r>
-              <a:rPr lang="de-DE" dirty="0"/>
-              <a:t>Count </a:t>
-            </a:r>
-            <a:r>
-              <a:rPr lang="de-DE" dirty="0" err="1"/>
-              <a:t>from</a:t>
-            </a:r>
-            <a:r>
-              <a:rPr lang="de-DE" dirty="0"/>
-              <a:t> 1 </a:t>
-            </a:r>
-            <a:r>
-              <a:rPr lang="de-DE" dirty="0" err="1"/>
-              <a:t>to</a:t>
-            </a:r>
-            <a:r>
-              <a:rPr lang="de-DE" dirty="0"/>
-              <a:t> 9</a:t>
-            </a:r>
           </a:p>
           <a:p>
             <a:pPr marL="342900" indent="-342900">
               <a:buFont typeface="Arial" panose="020B0604020202020204" pitchFamily="34" charset="0"/>
               <a:buChar char="•"/>
             </a:pPr>
+            <a:r>
+              <a:rPr lang="de-DE" dirty="0"/>
+              <a:t>Find and Use Exit </a:t>
+            </a:r>
+            <a:r>
+              <a:rPr lang="de-DE" dirty="0" err="1"/>
+              <a:t>function</a:t>
+            </a:r>
+            <a:endParaRPr lang="de-DE" dirty="0"/>
+          </a:p>
+          <a:p>
+            <a:pPr marL="342900" indent="-342900">
+              <a:buFont typeface="Arial" panose="020B0604020202020204" pitchFamily="34" charset="0"/>
+              <a:buChar char="•"/>
+            </a:pPr>
+            <a:endParaRPr lang="de-DE" dirty="0"/>
+          </a:p>
+          <a:p>
+            <a:pPr marL="342900" indent="-342900">
+              <a:buFont typeface="Arial" panose="020B0604020202020204" pitchFamily="34" charset="0"/>
+              <a:buChar char="•"/>
+            </a:pPr>
+            <a:endParaRPr lang="de-DE" dirty="0"/>
+          </a:p>
+          <a:p>
+            <a:pPr marL="342900" indent="-342900">
+              <a:buFont typeface="Arial" panose="020B0604020202020204" pitchFamily="34" charset="0"/>
+              <a:buChar char="•"/>
+            </a:pPr>
+            <a:r>
+              <a:rPr lang="de-DE" dirty="0" err="1"/>
+              <a:t>Idea</a:t>
+            </a:r>
+            <a:r>
+              <a:rPr lang="de-DE" dirty="0"/>
+              <a:t>: Repeat </a:t>
+            </a:r>
+            <a:r>
+              <a:rPr lang="de-DE" dirty="0" err="1"/>
+              <a:t>assembly</a:t>
+            </a:r>
+            <a:r>
+              <a:rPr lang="de-DE" dirty="0"/>
+              <a:t> </a:t>
+            </a:r>
+            <a:r>
+              <a:rPr lang="de-DE" dirty="0" err="1"/>
+              <a:t>basics</a:t>
+            </a:r>
             <a:endParaRPr lang="de-DE" dirty="0"/>
           </a:p>
         </p:txBody>
@@ -5424,7 +5465,7 @@
           <a:p>
             <a:r>
               <a:rPr lang="en-US" dirty="0"/>
-              <a:t>Testing</a:t>
+              <a:t>Patching Challenge Concepts</a:t>
             </a:r>
             <a:endParaRPr lang="de-DE" dirty="0"/>
           </a:p>
@@ -5448,7 +5489,7 @@
         </p:nvSpPr>
         <p:spPr>
           <a:xfrm>
-            <a:off x="508651" y="1995055"/>
+            <a:off x="517870" y="2105891"/>
             <a:ext cx="11165480" cy="3733830"/>
           </a:xfrm>
         </p:spPr>
@@ -5461,8 +5502,16 @@
               <a:buChar char="•"/>
             </a:pPr>
             <a:r>
-              <a:rPr lang="en-US" dirty="0"/>
-              <a:t>Multiple participants</a:t>
+              <a:rPr lang="de-DE" dirty="0"/>
+              <a:t>In </a:t>
+            </a:r>
+            <a:r>
+              <a:rPr lang="de-DE" dirty="0" err="1"/>
+              <a:t>Function</a:t>
+            </a:r>
+            <a:r>
+              <a:rPr lang="de-DE" dirty="0"/>
+              <a:t> a </a:t>
             </a:r>
           </a:p>
           <a:p>
@@ -5471,8 +5520,28 @@
               <a:buChar char="•"/>
             </a:pPr>
             <a:r>
-              <a:rPr lang="en-US" dirty="0"/>
-              <a:t>Internal Testing of each Lab</a:t>
+              <a:rPr lang="de-DE" dirty="0" err="1"/>
+              <a:t>if</a:t>
+            </a:r>
+            <a:r>
+              <a:rPr lang="de-DE" dirty="0"/>
+              <a:t>(</a:t>
+            </a:r>
+            <a:r>
+              <a:rPr lang="de-DE" dirty="0" err="1"/>
+              <a:t>false</a:t>
+            </a:r>
+            <a:r>
+              <a:rPr lang="de-DE" dirty="0"/>
+              <a:t>) </a:t>
+            </a:r>
+            <a:r>
+              <a:rPr lang="de-DE" dirty="0" err="1"/>
+              <a:t>printFlag</a:t>
+            </a:r>
+            <a:r>
+              <a:rPr lang="de-DE" dirty="0"/>
+              <a:t>();</a:t>
             </a:r>
           </a:p>
           <a:p>
@@ -5480,14 +5549,189 @@
               <a:buFont typeface="Arial" panose="020B0604020202020204" pitchFamily="34" charset="0"/>
               <a:buChar char="•"/>
             </a:pPr>
-            <a:endParaRPr lang="en-US" dirty="0"/>
+            <a:endParaRPr lang="de-DE" dirty="0"/>
+          </a:p>
+          <a:p>
+            <a:pPr marL="342900" indent="-342900">
+              <a:buFont typeface="Arial" panose="020B0604020202020204" pitchFamily="34" charset="0"/>
+              <a:buChar char="•"/>
+            </a:pPr>
+            <a:r>
+              <a:rPr lang="de-DE" dirty="0"/>
+              <a:t>Patch </a:t>
+            </a:r>
+            <a:r>
+              <a:rPr lang="de-DE" dirty="0" err="1"/>
+              <a:t>it</a:t>
+            </a:r>
+            <a:r>
+              <a:rPr lang="de-DE" dirty="0"/>
+              <a:t> and Upload </a:t>
+            </a:r>
+            <a:r>
+              <a:rPr lang="de-DE" dirty="0" err="1"/>
+              <a:t>it</a:t>
+            </a:r>
+            <a:r>
+              <a:rPr lang="de-DE" dirty="0"/>
+              <a:t> and </a:t>
+            </a:r>
+            <a:r>
+              <a:rPr lang="de-DE" dirty="0" err="1"/>
+              <a:t>then</a:t>
+            </a:r>
+            <a:r>
+              <a:rPr lang="de-DE" dirty="0"/>
+              <a:t> </a:t>
+            </a:r>
+            <a:r>
+              <a:rPr lang="de-DE" dirty="0" err="1"/>
+              <a:t>access</a:t>
+            </a:r>
+            <a:r>
+              <a:rPr lang="de-DE" dirty="0"/>
+              <a:t> </a:t>
+            </a:r>
+            <a:r>
+              <a:rPr lang="de-DE" dirty="0" err="1"/>
+              <a:t>with</a:t>
+            </a:r>
+            <a:r>
+              <a:rPr lang="de-DE" dirty="0"/>
+              <a:t> </a:t>
+            </a:r>
+            <a:r>
+              <a:rPr lang="de-DE" dirty="0" err="1"/>
+              <a:t>socat</a:t>
+            </a:r>
+            <a:r>
+              <a:rPr lang="de-DE" dirty="0"/>
+              <a:t> </a:t>
+            </a:r>
+            <a:r>
+              <a:rPr lang="de-DE" dirty="0" err="1"/>
+              <a:t>to</a:t>
+            </a:r>
+            <a:r>
+              <a:rPr lang="de-DE" dirty="0"/>
+              <a:t> </a:t>
+            </a:r>
+            <a:r>
+              <a:rPr lang="de-DE" dirty="0" err="1"/>
+              <a:t>read</a:t>
+            </a:r>
+            <a:r>
+              <a:rPr lang="de-DE" dirty="0"/>
+              <a:t> </a:t>
+            </a:r>
+            <a:r>
+              <a:rPr lang="de-DE" dirty="0" err="1"/>
+              <a:t>Flag</a:t>
+            </a:r>
+            <a:r>
+              <a:rPr lang="de-DE" dirty="0"/>
+              <a:t>.</a:t>
+            </a:r>
+          </a:p>
+          <a:p>
+            <a:pPr marL="342900" indent="-342900">
+              <a:buFont typeface="Arial" panose="020B0604020202020204" pitchFamily="34" charset="0"/>
+              <a:buChar char="•"/>
+            </a:pPr>
+            <a:endParaRPr lang="de-DE" dirty="0"/>
+          </a:p>
+          <a:p>
+            <a:pPr marL="342900" indent="-342900">
+              <a:buFont typeface="Arial" panose="020B0604020202020204" pitchFamily="34" charset="0"/>
+              <a:buChar char="•"/>
+            </a:pPr>
+            <a:r>
+              <a:rPr lang="de-DE" dirty="0" err="1"/>
+              <a:t>Idea</a:t>
+            </a:r>
+            <a:r>
+              <a:rPr lang="de-DE" dirty="0"/>
+              <a:t>: Simple </a:t>
+            </a:r>
+            <a:r>
+              <a:rPr lang="de-DE" dirty="0" err="1"/>
+              <a:t>Introduction</a:t>
+            </a:r>
+            <a:r>
+              <a:rPr lang="de-DE" dirty="0"/>
+              <a:t> </a:t>
+            </a:r>
+            <a:r>
+              <a:rPr lang="de-DE" dirty="0" err="1"/>
+              <a:t>to</a:t>
+            </a:r>
+            <a:r>
+              <a:rPr lang="de-DE" dirty="0"/>
+              <a:t> </a:t>
+            </a:r>
+            <a:r>
+              <a:rPr lang="de-DE" dirty="0" err="1"/>
+              <a:t>patching</a:t>
+            </a:r>
+            <a:r>
+              <a:rPr lang="de-DE" dirty="0"/>
+              <a:t> and </a:t>
+            </a:r>
+            <a:r>
+              <a:rPr lang="de-DE" dirty="0" err="1"/>
+              <a:t>that</a:t>
+            </a:r>
+            <a:r>
+              <a:rPr lang="de-DE" dirty="0"/>
+              <a:t> </a:t>
+            </a:r>
+            <a:r>
+              <a:rPr lang="de-DE" dirty="0" err="1"/>
+              <a:t>it</a:t>
+            </a:r>
+            <a:r>
+              <a:rPr lang="de-DE" dirty="0"/>
+              <a:t> </a:t>
+            </a:r>
+            <a:r>
+              <a:rPr lang="de-DE" dirty="0" err="1"/>
+              <a:t>changes</a:t>
+            </a:r>
+            <a:r>
+              <a:rPr lang="de-DE" dirty="0"/>
+              <a:t> </a:t>
+            </a:r>
+            <a:r>
+              <a:rPr lang="de-DE" dirty="0" err="1"/>
+              <a:t>the</a:t>
+            </a:r>
+            <a:r>
+              <a:rPr lang="de-DE" dirty="0"/>
+              <a:t> </a:t>
+            </a:r>
+            <a:r>
+              <a:rPr lang="de-DE" dirty="0" err="1"/>
+              <a:t>programs</a:t>
+            </a:r>
+            <a:r>
+              <a:rPr lang="de-DE" dirty="0"/>
+              <a:t> </a:t>
+            </a:r>
+            <a:r>
+              <a:rPr lang="de-DE" dirty="0" err="1"/>
+              <a:t>behavior</a:t>
+            </a:r>
+            <a:r>
+              <a:rPr lang="de-DE" dirty="0"/>
+              <a:t>.</a:t>
+            </a:r>
           </a:p>
         </p:txBody>
       </p:sp>
     </p:spTree>
     <p:extLst>
       <p:ext uri="{BB962C8B-B14F-4D97-AF65-F5344CB8AC3E}">
-        <p14:creationId xmlns:p14="http://schemas.microsoft.com/office/powerpoint/2010/main" val="2829212852"/>
+        <p14:creationId xmlns:p14="http://schemas.microsoft.com/office/powerpoint/2010/main" val="1309219361"/>
       </p:ext>
     </p:extLst>
   </p:cSld>
@@ -5551,8 +5795,20 @@
           <a:lstStyle/>
           <a:p>
             <a:r>
+              <a:rPr lang="en-US" dirty="0" err="1"/>
+              <a:t>Pwntools</a:t>
+            </a:r>
+            <a:r>
               <a:rPr lang="en-US" dirty="0"/>
-              <a:t>Patching Challenge Concepts</a:t>
+              <a:t> </a:t>
+            </a:r>
+            <a:r>
+              <a:rPr lang="en-US" dirty="0" err="1"/>
+              <a:t>Iter</a:t>
+            </a:r>
+            <a:r>
+              <a:rPr lang="en-US" dirty="0"/>
+              <a:t> Concepts</a:t>
             </a:r>
             <a:endParaRPr lang="de-DE" dirty="0"/>
           </a:p>
@@ -5589,236 +5845,16 @@
               <a:buChar char="•"/>
             </a:pPr>
             <a:r>
+              <a:rPr lang="de-DE" dirty="0" err="1"/>
+              <a:t>Insecure</a:t>
+            </a:r>
+            <a:r>
               <a:rPr lang="de-DE" dirty="0"/>
-              <a:t>In Print </a:t>
-            </a:r>
-            <a:r>
-              <a:rPr lang="de-DE" dirty="0" err="1"/>
-              <a:t>Flag</a:t>
-            </a:r>
-            <a:r>
-              <a:rPr lang="de-DE" dirty="0"/>
-              <a:t> </a:t>
-            </a:r>
-            <a:r>
-              <a:rPr lang="de-DE" dirty="0" err="1"/>
-              <a:t>Function</a:t>
-            </a:r>
-            <a:r>
-              <a:rPr lang="de-DE" dirty="0"/>
-              <a:t> a </a:t>
-            </a:r>
-          </a:p>
-          <a:p>
-            <a:pPr marL="342900" indent="-342900">
-              <a:buFont typeface="Arial" panose="020B0604020202020204" pitchFamily="34" charset="0"/>
-              <a:buChar char="•"/>
-            </a:pPr>
-            <a:r>
-              <a:rPr lang="de-DE" dirty="0" err="1"/>
-              <a:t>if</a:t>
-            </a:r>
-            <a:r>
-              <a:rPr lang="de-DE" dirty="0"/>
-              <a:t>(</a:t>
-            </a:r>
-            <a:r>
-              <a:rPr lang="de-DE" dirty="0" err="1"/>
-              <a:t>false</a:t>
-            </a:r>
-            <a:r>
-              <a:rPr lang="de-DE" dirty="0"/>
-              <a:t>) </a:t>
-            </a:r>
-            <a:r>
-              <a:rPr lang="de-DE" dirty="0" err="1"/>
-              <a:t>printFlag</a:t>
-            </a:r>
-            <a:r>
-              <a:rPr lang="de-DE" dirty="0"/>
-              <a:t>();</a:t>
-            </a:r>
-          </a:p>
-          <a:p>
-            <a:pPr marL="342900" indent="-342900">
-              <a:buFont typeface="Arial" panose="020B0604020202020204" pitchFamily="34" charset="0"/>
-              <a:buChar char="•"/>
-            </a:pPr>
-            <a:endParaRPr lang="de-DE" dirty="0"/>
-          </a:p>
-          <a:p>
-            <a:pPr marL="342900" indent="-342900">
-              <a:buFont typeface="Arial" panose="020B0604020202020204" pitchFamily="34" charset="0"/>
-              <a:buChar char="•"/>
-            </a:pPr>
-            <a:r>
-              <a:rPr lang="de-DE" dirty="0"/>
-              <a:t>Patch </a:t>
-            </a:r>
-            <a:r>
-              <a:rPr lang="de-DE" dirty="0" err="1"/>
-              <a:t>it</a:t>
-            </a:r>
-            <a:r>
-              <a:rPr lang="de-DE" dirty="0"/>
-              <a:t> and Upload </a:t>
-            </a:r>
-            <a:r>
-              <a:rPr lang="de-DE" dirty="0" err="1"/>
-              <a:t>it</a:t>
-            </a:r>
-            <a:r>
-              <a:rPr lang="de-DE" dirty="0"/>
-              <a:t> and </a:t>
-            </a:r>
-            <a:r>
-              <a:rPr lang="de-DE" dirty="0" err="1"/>
-              <a:t>then</a:t>
-            </a:r>
-            <a:r>
-              <a:rPr lang="de-DE" dirty="0"/>
-              <a:t> </a:t>
-            </a:r>
-            <a:r>
-              <a:rPr lang="de-DE" dirty="0" err="1"/>
-              <a:t>access</a:t>
-            </a:r>
-            <a:r>
-              <a:rPr lang="de-DE" dirty="0"/>
-              <a:t> </a:t>
-            </a:r>
-            <a:r>
-              <a:rPr lang="de-DE" dirty="0" err="1"/>
-              <a:t>with</a:t>
-            </a:r>
-            <a:r>
-              <a:rPr lang="de-DE" dirty="0"/>
-              <a:t> </a:t>
-            </a:r>
-            <a:r>
-              <a:rPr lang="de-DE" dirty="0" err="1"/>
-              <a:t>socat</a:t>
-            </a:r>
-            <a:r>
-              <a:rPr lang="de-DE" dirty="0"/>
-              <a:t> </a:t>
-            </a:r>
-            <a:r>
-              <a:rPr lang="de-DE" dirty="0" err="1"/>
-              <a:t>to</a:t>
-            </a:r>
-            <a:r>
-              <a:rPr lang="de-DE" dirty="0"/>
-              <a:t> </a:t>
-            </a:r>
-            <a:r>
-              <a:rPr lang="de-DE" dirty="0" err="1"/>
-              <a:t>read</a:t>
-            </a:r>
-            <a:r>
-              <a:rPr lang="de-DE" dirty="0"/>
-              <a:t> </a:t>
-            </a:r>
-            <a:r>
-              <a:rPr lang="de-DE" dirty="0" err="1"/>
-              <a:t>Flag</a:t>
-            </a:r>
-            <a:r>
-              <a:rPr lang="de-DE" dirty="0"/>
-              <a:t>.</a:t>
-            </a:r>
-          </a:p>
-          <a:p>
-            <a:pPr marL="342900" indent="-342900">
-              <a:buFont typeface="Arial" panose="020B0604020202020204" pitchFamily="34" charset="0"/>
-              <a:buChar char="•"/>
-            </a:pPr>
-            <a:endParaRPr lang="de-DE" dirty="0"/>
-          </a:p>
-          <a:p>
-            <a:pPr marL="342900" indent="-342900">
-              <a:buFont typeface="Arial" panose="020B0604020202020204" pitchFamily="34" charset="0"/>
-              <a:buChar char="•"/>
-            </a:pPr>
-            <a:r>
-              <a:rPr lang="de-DE" dirty="0" err="1"/>
-              <a:t>Idea</a:t>
-            </a:r>
-            <a:r>
-              <a:rPr lang="de-DE" dirty="0"/>
-              <a:t>: Simple </a:t>
-            </a:r>
-            <a:r>
-              <a:rPr lang="de-DE" dirty="0" err="1"/>
-              <a:t>Introduction</a:t>
-            </a:r>
-            <a:r>
-              <a:rPr lang="de-DE" dirty="0"/>
-              <a:t> </a:t>
-            </a:r>
-            <a:r>
-              <a:rPr lang="de-DE" dirty="0" err="1"/>
-              <a:t>to</a:t>
-            </a:r>
-            <a:r>
-              <a:rPr lang="de-DE" dirty="0"/>
-              <a:t> </a:t>
-            </a:r>
-            <a:r>
-              <a:rPr lang="de-DE" dirty="0" err="1"/>
-              <a:t>patching</a:t>
-            </a:r>
-            <a:r>
-              <a:rPr lang="de-DE" dirty="0"/>
-              <a:t> and </a:t>
-            </a:r>
-            <a:r>
-              <a:rPr lang="de-DE" dirty="0" err="1"/>
-              <a:t>that</a:t>
-            </a:r>
-            <a:r>
-              <a:rPr lang="de-DE" dirty="0"/>
-              <a:t> </a:t>
-            </a:r>
-            <a:r>
-              <a:rPr lang="de-DE" dirty="0" err="1"/>
-              <a:t>it</a:t>
-            </a:r>
-            <a:r>
-              <a:rPr lang="de-DE" dirty="0"/>
-              <a:t> </a:t>
-            </a:r>
-            <a:r>
-              <a:rPr lang="de-DE" dirty="0" err="1"/>
-              <a:t>changes</a:t>
-            </a:r>
-            <a:r>
-              <a:rPr lang="de-DE" dirty="0"/>
-              <a:t> </a:t>
-            </a:r>
-            <a:r>
-              <a:rPr lang="de-DE" dirty="0" err="1"/>
-              <a:t>the</a:t>
-            </a:r>
-            <a:r>
-              <a:rPr lang="de-DE" dirty="0"/>
-              <a:t> </a:t>
-            </a:r>
-            <a:r>
-              <a:rPr lang="de-DE" dirty="0" err="1"/>
-              <a:t>programs</a:t>
-            </a:r>
-            <a:r>
-              <a:rPr lang="de-DE" dirty="0"/>
-              <a:t> </a:t>
-            </a:r>
-            <a:r>
-              <a:rPr lang="de-DE" dirty="0" err="1"/>
-              <a:t>behavior</a:t>
+              <a:t> Private Key </a:t>
             </a:r>
             <a:r>
               <a:rPr lang="de-DE"/>
-              <a:t>.</a:t>
+              <a:t>Cryptography</a:t>
             </a:r>
             <a:endParaRPr lang="de-DE" dirty="0"/>
           </a:p>
@@ -5827,7 +5863,7 @@
     </p:spTree>
     <p:extLst>
       <p:ext uri="{BB962C8B-B14F-4D97-AF65-F5344CB8AC3E}">
-        <p14:creationId xmlns:p14="http://schemas.microsoft.com/office/powerpoint/2010/main" val="1309219361"/>
+        <p14:creationId xmlns:p14="http://schemas.microsoft.com/office/powerpoint/2010/main" val="2193519292"/>
       </p:ext>
     </p:extLst>
   </p:cSld>
